--- a/docs/diagrams/HighLevelSequenceDiagrams.pptx
+++ b/docs/diagrams/HighLevelSequenceDiagrams.pptx
@@ -107,7 +107,27 @@
       </a:defRPr>
     </a:lvl9pPr>
   </p:defaultTextStyle>
+  <p:extLst>
+    <p:ext uri="{EFAFB233-063F-42B5-8137-9DF3F51BA10A}">
+      <p15:sldGuideLst xmlns:p15="http://schemas.microsoft.com/office/powerpoint/2012/main">
+        <p15:guide id="1" orient="horz" pos="1488">
+          <p15:clr>
+            <a:srgbClr val="A4A3A4"/>
+          </p15:clr>
+        </p15:guide>
+        <p15:guide id="2" pos="2880">
+          <p15:clr>
+            <a:srgbClr val="A4A3A4"/>
+          </p15:clr>
+        </p15:guide>
+      </p15:sldGuideLst>
+    </p:ext>
+  </p:extLst>
 </p:presentation>
+</file>
+
+<file path=ppt/revisionInfo.xml><?xml version="1.0" encoding="utf-8"?>
+<p1510:revInfo xmlns:a="http://schemas.openxmlformats.org/drawingml/2006/main" xmlns:r="http://schemas.openxmlformats.org/officeDocument/2006/relationships" xmlns:p1510="http://schemas.microsoft.com/office/powerpoint/2015/10/main"/>
 </file>
 
 <file path=ppt/notesMasters/notesMaster1.xml><?xml version="1.0" encoding="utf-8"?>
@@ -192,7 +212,7 @@
           <a:p>
             <a:fld id="{F5CC4B3F-88C1-4FFA-B1B6-F41C21DC6924}" type="datetimeFigureOut">
               <a:rPr lang="en-US" smtClean="0"/>
-              <a:t>10/16/2016</a:t>
+              <a:t>4/5/2018</a:t>
             </a:fld>
             <a:endParaRPr lang="en-US"/>
           </a:p>
@@ -256,38 +276,37 @@
           <a:p>
             <a:pPr lvl="0"/>
             <a:r>
-              <a:rPr lang="en-US" smtClean="0"/>
+              <a:rPr lang="en-US"/>
               <a:t>Click to edit Master text styles</a:t>
             </a:r>
           </a:p>
           <a:p>
             <a:pPr lvl="1"/>
             <a:r>
-              <a:rPr lang="en-US" smtClean="0"/>
+              <a:rPr lang="en-US"/>
               <a:t>Second level</a:t>
             </a:r>
           </a:p>
           <a:p>
             <a:pPr lvl="2"/>
             <a:r>
-              <a:rPr lang="en-US" smtClean="0"/>
+              <a:rPr lang="en-US"/>
               <a:t>Third level</a:t>
             </a:r>
           </a:p>
           <a:p>
             <a:pPr lvl="3"/>
             <a:r>
-              <a:rPr lang="en-US" smtClean="0"/>
+              <a:rPr lang="en-US"/>
               <a:t>Fourth level</a:t>
             </a:r>
           </a:p>
           <a:p>
             <a:pPr lvl="4"/>
             <a:r>
-              <a:rPr lang="en-US" smtClean="0"/>
+              <a:rPr lang="en-US"/>
               <a:t>Fifth level</a:t>
             </a:r>
-            <a:endParaRPr lang="en-US"/>
           </a:p>
         </p:txBody>
       </p:sp>
@@ -498,10 +517,9 @@
           <a:lstStyle/>
           <a:p>
             <a:r>
-              <a:rPr lang="en-US" smtClean="0"/>
+              <a:rPr lang="en-US"/>
               <a:t>Click to edit Master title style</a:t>
             </a:r>
-            <a:endParaRPr lang="en-US"/>
           </a:p>
         </p:txBody>
       </p:sp>
@@ -617,10 +635,9 @@
           </a:lstStyle>
           <a:p>
             <a:r>
-              <a:rPr lang="en-US" smtClean="0"/>
+              <a:rPr lang="en-US"/>
               <a:t>Click to edit Master subtitle style</a:t>
             </a:r>
-            <a:endParaRPr lang="en-US"/>
           </a:p>
         </p:txBody>
       </p:sp>
@@ -641,7 +658,7 @@
           <a:p>
             <a:fld id="{78C97017-6FC3-485B-9764-EAC9E56C1D49}" type="datetimeFigureOut">
               <a:rPr lang="en-US" smtClean="0"/>
-              <a:t>10/16/2016</a:t>
+              <a:t>4/5/2018</a:t>
             </a:fld>
             <a:endParaRPr lang="en-US"/>
           </a:p>
@@ -735,10 +752,9 @@
           <a:lstStyle/>
           <a:p>
             <a:r>
-              <a:rPr lang="en-US" smtClean="0"/>
+              <a:rPr lang="en-US"/>
               <a:t>Click to edit Master title style</a:t>
             </a:r>
-            <a:endParaRPr lang="en-US"/>
           </a:p>
         </p:txBody>
       </p:sp>
@@ -759,38 +775,37 @@
           <a:p>
             <a:pPr lvl="0"/>
             <a:r>
-              <a:rPr lang="en-US" smtClean="0"/>
+              <a:rPr lang="en-US"/>
               <a:t>Click to edit Master text styles</a:t>
             </a:r>
           </a:p>
           <a:p>
             <a:pPr lvl="1"/>
             <a:r>
-              <a:rPr lang="en-US" smtClean="0"/>
+              <a:rPr lang="en-US"/>
               <a:t>Second level</a:t>
             </a:r>
           </a:p>
           <a:p>
             <a:pPr lvl="2"/>
             <a:r>
-              <a:rPr lang="en-US" smtClean="0"/>
+              <a:rPr lang="en-US"/>
               <a:t>Third level</a:t>
             </a:r>
           </a:p>
           <a:p>
             <a:pPr lvl="3"/>
             <a:r>
-              <a:rPr lang="en-US" smtClean="0"/>
+              <a:rPr lang="en-US"/>
               <a:t>Fourth level</a:t>
             </a:r>
           </a:p>
           <a:p>
             <a:pPr lvl="4"/>
             <a:r>
-              <a:rPr lang="en-US" smtClean="0"/>
+              <a:rPr lang="en-US"/>
               <a:t>Fifth level</a:t>
             </a:r>
-            <a:endParaRPr lang="en-US"/>
           </a:p>
         </p:txBody>
       </p:sp>
@@ -811,7 +826,7 @@
           <a:p>
             <a:fld id="{78C97017-6FC3-485B-9764-EAC9E56C1D49}" type="datetimeFigureOut">
               <a:rPr lang="en-US" smtClean="0"/>
-              <a:t>10/16/2016</a:t>
+              <a:t>4/5/2018</a:t>
             </a:fld>
             <a:endParaRPr lang="en-US"/>
           </a:p>
@@ -910,10 +925,9 @@
           <a:lstStyle/>
           <a:p>
             <a:r>
-              <a:rPr lang="en-US" smtClean="0"/>
+              <a:rPr lang="en-US"/>
               <a:t>Click to edit Master title style</a:t>
             </a:r>
-            <a:endParaRPr lang="en-US"/>
           </a:p>
         </p:txBody>
       </p:sp>
@@ -939,38 +953,37 @@
           <a:p>
             <a:pPr lvl="0"/>
             <a:r>
-              <a:rPr lang="en-US" smtClean="0"/>
+              <a:rPr lang="en-US"/>
               <a:t>Click to edit Master text styles</a:t>
             </a:r>
           </a:p>
           <a:p>
             <a:pPr lvl="1"/>
             <a:r>
-              <a:rPr lang="en-US" smtClean="0"/>
+              <a:rPr lang="en-US"/>
               <a:t>Second level</a:t>
             </a:r>
           </a:p>
           <a:p>
             <a:pPr lvl="2"/>
             <a:r>
-              <a:rPr lang="en-US" smtClean="0"/>
+              <a:rPr lang="en-US"/>
               <a:t>Third level</a:t>
             </a:r>
           </a:p>
           <a:p>
             <a:pPr lvl="3"/>
             <a:r>
-              <a:rPr lang="en-US" smtClean="0"/>
+              <a:rPr lang="en-US"/>
               <a:t>Fourth level</a:t>
             </a:r>
           </a:p>
           <a:p>
             <a:pPr lvl="4"/>
             <a:r>
-              <a:rPr lang="en-US" smtClean="0"/>
+              <a:rPr lang="en-US"/>
               <a:t>Fifth level</a:t>
             </a:r>
-            <a:endParaRPr lang="en-US"/>
           </a:p>
         </p:txBody>
       </p:sp>
@@ -991,7 +1004,7 @@
           <a:p>
             <a:fld id="{78C97017-6FC3-485B-9764-EAC9E56C1D49}" type="datetimeFigureOut">
               <a:rPr lang="en-US" smtClean="0"/>
-              <a:t>10/16/2016</a:t>
+              <a:t>4/5/2018</a:t>
             </a:fld>
             <a:endParaRPr lang="en-US"/>
           </a:p>
@@ -1085,10 +1098,9 @@
           <a:lstStyle/>
           <a:p>
             <a:r>
-              <a:rPr lang="en-US" smtClean="0"/>
+              <a:rPr lang="en-US"/>
               <a:t>Click to edit Master title style</a:t>
             </a:r>
-            <a:endParaRPr lang="en-US"/>
           </a:p>
         </p:txBody>
       </p:sp>
@@ -1109,38 +1121,37 @@
           <a:p>
             <a:pPr lvl="0"/>
             <a:r>
-              <a:rPr lang="en-US" smtClean="0"/>
+              <a:rPr lang="en-US"/>
               <a:t>Click to edit Master text styles</a:t>
             </a:r>
           </a:p>
           <a:p>
             <a:pPr lvl="1"/>
             <a:r>
-              <a:rPr lang="en-US" smtClean="0"/>
+              <a:rPr lang="en-US"/>
               <a:t>Second level</a:t>
             </a:r>
           </a:p>
           <a:p>
             <a:pPr lvl="2"/>
             <a:r>
-              <a:rPr lang="en-US" smtClean="0"/>
+              <a:rPr lang="en-US"/>
               <a:t>Third level</a:t>
             </a:r>
           </a:p>
           <a:p>
             <a:pPr lvl="3"/>
             <a:r>
-              <a:rPr lang="en-US" smtClean="0"/>
+              <a:rPr lang="en-US"/>
               <a:t>Fourth level</a:t>
             </a:r>
           </a:p>
           <a:p>
             <a:pPr lvl="4"/>
             <a:r>
-              <a:rPr lang="en-US" smtClean="0"/>
+              <a:rPr lang="en-US"/>
               <a:t>Fifth level</a:t>
             </a:r>
-            <a:endParaRPr lang="en-US"/>
           </a:p>
         </p:txBody>
       </p:sp>
@@ -1161,7 +1172,7 @@
           <a:p>
             <a:fld id="{78C97017-6FC3-485B-9764-EAC9E56C1D49}" type="datetimeFigureOut">
               <a:rPr lang="en-US" smtClean="0"/>
-              <a:t>10/16/2016</a:t>
+              <a:t>4/5/2018</a:t>
             </a:fld>
             <a:endParaRPr lang="en-US"/>
           </a:p>
@@ -1264,10 +1275,9 @@
           </a:lstStyle>
           <a:p>
             <a:r>
-              <a:rPr lang="en-US" smtClean="0"/>
+              <a:rPr lang="en-US"/>
               <a:t>Click to edit Master title style</a:t>
             </a:r>
-            <a:endParaRPr lang="en-US"/>
           </a:p>
         </p:txBody>
       </p:sp>
@@ -1384,7 +1394,7 @@
           <a:p>
             <a:pPr lvl="0"/>
             <a:r>
-              <a:rPr lang="en-US" smtClean="0"/>
+              <a:rPr lang="en-US"/>
               <a:t>Click to edit Master text styles</a:t>
             </a:r>
           </a:p>
@@ -1407,7 +1417,7 @@
           <a:p>
             <a:fld id="{78C97017-6FC3-485B-9764-EAC9E56C1D49}" type="datetimeFigureOut">
               <a:rPr lang="en-US" smtClean="0"/>
-              <a:t>10/16/2016</a:t>
+              <a:t>4/5/2018</a:t>
             </a:fld>
             <a:endParaRPr lang="en-US"/>
           </a:p>
@@ -1501,10 +1511,9 @@
           <a:lstStyle/>
           <a:p>
             <a:r>
-              <a:rPr lang="en-US" smtClean="0"/>
+              <a:rPr lang="en-US"/>
               <a:t>Click to edit Master title style</a:t>
             </a:r>
-            <a:endParaRPr lang="en-US"/>
           </a:p>
         </p:txBody>
       </p:sp>
@@ -1558,38 +1567,37 @@
           <a:p>
             <a:pPr lvl="0"/>
             <a:r>
-              <a:rPr lang="en-US" smtClean="0"/>
+              <a:rPr lang="en-US"/>
               <a:t>Click to edit Master text styles</a:t>
             </a:r>
           </a:p>
           <a:p>
             <a:pPr lvl="1"/>
             <a:r>
-              <a:rPr lang="en-US" smtClean="0"/>
+              <a:rPr lang="en-US"/>
               <a:t>Second level</a:t>
             </a:r>
           </a:p>
           <a:p>
             <a:pPr lvl="2"/>
             <a:r>
-              <a:rPr lang="en-US" smtClean="0"/>
+              <a:rPr lang="en-US"/>
               <a:t>Third level</a:t>
             </a:r>
           </a:p>
           <a:p>
             <a:pPr lvl="3"/>
             <a:r>
-              <a:rPr lang="en-US" smtClean="0"/>
+              <a:rPr lang="en-US"/>
               <a:t>Fourth level</a:t>
             </a:r>
           </a:p>
           <a:p>
             <a:pPr lvl="4"/>
             <a:r>
-              <a:rPr lang="en-US" smtClean="0"/>
+              <a:rPr lang="en-US"/>
               <a:t>Fifth level</a:t>
             </a:r>
-            <a:endParaRPr lang="en-US"/>
           </a:p>
         </p:txBody>
       </p:sp>
@@ -1643,38 +1651,37 @@
           <a:p>
             <a:pPr lvl="0"/>
             <a:r>
-              <a:rPr lang="en-US" smtClean="0"/>
+              <a:rPr lang="en-US"/>
               <a:t>Click to edit Master text styles</a:t>
             </a:r>
           </a:p>
           <a:p>
             <a:pPr lvl="1"/>
             <a:r>
-              <a:rPr lang="en-US" smtClean="0"/>
+              <a:rPr lang="en-US"/>
               <a:t>Second level</a:t>
             </a:r>
           </a:p>
           <a:p>
             <a:pPr lvl="2"/>
             <a:r>
-              <a:rPr lang="en-US" smtClean="0"/>
+              <a:rPr lang="en-US"/>
               <a:t>Third level</a:t>
             </a:r>
           </a:p>
           <a:p>
             <a:pPr lvl="3"/>
             <a:r>
-              <a:rPr lang="en-US" smtClean="0"/>
+              <a:rPr lang="en-US"/>
               <a:t>Fourth level</a:t>
             </a:r>
           </a:p>
           <a:p>
             <a:pPr lvl="4"/>
             <a:r>
-              <a:rPr lang="en-US" smtClean="0"/>
+              <a:rPr lang="en-US"/>
               <a:t>Fifth level</a:t>
             </a:r>
-            <a:endParaRPr lang="en-US"/>
           </a:p>
         </p:txBody>
       </p:sp>
@@ -1695,7 +1702,7 @@
           <a:p>
             <a:fld id="{78C97017-6FC3-485B-9764-EAC9E56C1D49}" type="datetimeFigureOut">
               <a:rPr lang="en-US" smtClean="0"/>
-              <a:t>10/16/2016</a:t>
+              <a:t>4/5/2018</a:t>
             </a:fld>
             <a:endParaRPr lang="en-US"/>
           </a:p>
@@ -1793,10 +1800,9 @@
           </a:lstStyle>
           <a:p>
             <a:r>
-              <a:rPr lang="en-US" smtClean="0"/>
+              <a:rPr lang="en-US"/>
               <a:t>Click to edit Master title style</a:t>
             </a:r>
-            <a:endParaRPr lang="en-US"/>
           </a:p>
         </p:txBody>
       </p:sp>
@@ -1859,7 +1865,7 @@
           <a:p>
             <a:pPr lvl="0"/>
             <a:r>
-              <a:rPr lang="en-US" smtClean="0"/>
+              <a:rPr lang="en-US"/>
               <a:t>Click to edit Master text styles</a:t>
             </a:r>
           </a:p>
@@ -1915,38 +1921,37 @@
           <a:p>
             <a:pPr lvl="0"/>
             <a:r>
-              <a:rPr lang="en-US" smtClean="0"/>
+              <a:rPr lang="en-US"/>
               <a:t>Click to edit Master text styles</a:t>
             </a:r>
           </a:p>
           <a:p>
             <a:pPr lvl="1"/>
             <a:r>
-              <a:rPr lang="en-US" smtClean="0"/>
+              <a:rPr lang="en-US"/>
               <a:t>Second level</a:t>
             </a:r>
           </a:p>
           <a:p>
             <a:pPr lvl="2"/>
             <a:r>
-              <a:rPr lang="en-US" smtClean="0"/>
+              <a:rPr lang="en-US"/>
               <a:t>Third level</a:t>
             </a:r>
           </a:p>
           <a:p>
             <a:pPr lvl="3"/>
             <a:r>
-              <a:rPr lang="en-US" smtClean="0"/>
+              <a:rPr lang="en-US"/>
               <a:t>Fourth level</a:t>
             </a:r>
           </a:p>
           <a:p>
             <a:pPr lvl="4"/>
             <a:r>
-              <a:rPr lang="en-US" smtClean="0"/>
+              <a:rPr lang="en-US"/>
               <a:t>Fifth level</a:t>
             </a:r>
-            <a:endParaRPr lang="en-US"/>
           </a:p>
         </p:txBody>
       </p:sp>
@@ -2009,7 +2014,7 @@
           <a:p>
             <a:pPr lvl="0"/>
             <a:r>
-              <a:rPr lang="en-US" smtClean="0"/>
+              <a:rPr lang="en-US"/>
               <a:t>Click to edit Master text styles</a:t>
             </a:r>
           </a:p>
@@ -2065,38 +2070,37 @@
           <a:p>
             <a:pPr lvl="0"/>
             <a:r>
-              <a:rPr lang="en-US" smtClean="0"/>
+              <a:rPr lang="en-US"/>
               <a:t>Click to edit Master text styles</a:t>
             </a:r>
           </a:p>
           <a:p>
             <a:pPr lvl="1"/>
             <a:r>
-              <a:rPr lang="en-US" smtClean="0"/>
+              <a:rPr lang="en-US"/>
               <a:t>Second level</a:t>
             </a:r>
           </a:p>
           <a:p>
             <a:pPr lvl="2"/>
             <a:r>
-              <a:rPr lang="en-US" smtClean="0"/>
+              <a:rPr lang="en-US"/>
               <a:t>Third level</a:t>
             </a:r>
           </a:p>
           <a:p>
             <a:pPr lvl="3"/>
             <a:r>
-              <a:rPr lang="en-US" smtClean="0"/>
+              <a:rPr lang="en-US"/>
               <a:t>Fourth level</a:t>
             </a:r>
           </a:p>
           <a:p>
             <a:pPr lvl="4"/>
             <a:r>
-              <a:rPr lang="en-US" smtClean="0"/>
+              <a:rPr lang="en-US"/>
               <a:t>Fifth level</a:t>
             </a:r>
-            <a:endParaRPr lang="en-US"/>
           </a:p>
         </p:txBody>
       </p:sp>
@@ -2117,7 +2121,7 @@
           <a:p>
             <a:fld id="{78C97017-6FC3-485B-9764-EAC9E56C1D49}" type="datetimeFigureOut">
               <a:rPr lang="en-US" smtClean="0"/>
-              <a:t>10/16/2016</a:t>
+              <a:t>4/5/2018</a:t>
             </a:fld>
             <a:endParaRPr lang="en-US"/>
           </a:p>
@@ -2211,10 +2215,9 @@
           <a:lstStyle/>
           <a:p>
             <a:r>
-              <a:rPr lang="en-US" smtClean="0"/>
+              <a:rPr lang="en-US"/>
               <a:t>Click to edit Master title style</a:t>
             </a:r>
-            <a:endParaRPr lang="en-US"/>
           </a:p>
         </p:txBody>
       </p:sp>
@@ -2235,7 +2238,7 @@
           <a:p>
             <a:fld id="{78C97017-6FC3-485B-9764-EAC9E56C1D49}" type="datetimeFigureOut">
               <a:rPr lang="en-US" smtClean="0"/>
-              <a:t>10/16/2016</a:t>
+              <a:t>4/5/2018</a:t>
             </a:fld>
             <a:endParaRPr lang="en-US"/>
           </a:p>
@@ -2330,7 +2333,7 @@
           <a:p>
             <a:fld id="{78C97017-6FC3-485B-9764-EAC9E56C1D49}" type="datetimeFigureOut">
               <a:rPr lang="en-US" smtClean="0"/>
-              <a:t>10/16/2016</a:t>
+              <a:t>4/5/2018</a:t>
             </a:fld>
             <a:endParaRPr lang="en-US"/>
           </a:p>
@@ -2433,10 +2436,9 @@
           </a:lstStyle>
           <a:p>
             <a:r>
-              <a:rPr lang="en-US" smtClean="0"/>
+              <a:rPr lang="en-US"/>
               <a:t>Click to edit Master title style</a:t>
             </a:r>
-            <a:endParaRPr lang="en-US"/>
           </a:p>
         </p:txBody>
       </p:sp>
@@ -2490,38 +2492,37 @@
           <a:p>
             <a:pPr lvl="0"/>
             <a:r>
-              <a:rPr lang="en-US" smtClean="0"/>
+              <a:rPr lang="en-US"/>
               <a:t>Click to edit Master text styles</a:t>
             </a:r>
           </a:p>
           <a:p>
             <a:pPr lvl="1"/>
             <a:r>
-              <a:rPr lang="en-US" smtClean="0"/>
+              <a:rPr lang="en-US"/>
               <a:t>Second level</a:t>
             </a:r>
           </a:p>
           <a:p>
             <a:pPr lvl="2"/>
             <a:r>
-              <a:rPr lang="en-US" smtClean="0"/>
+              <a:rPr lang="en-US"/>
               <a:t>Third level</a:t>
             </a:r>
           </a:p>
           <a:p>
             <a:pPr lvl="3"/>
             <a:r>
-              <a:rPr lang="en-US" smtClean="0"/>
+              <a:rPr lang="en-US"/>
               <a:t>Fourth level</a:t>
             </a:r>
           </a:p>
           <a:p>
             <a:pPr lvl="4"/>
             <a:r>
-              <a:rPr lang="en-US" smtClean="0"/>
+              <a:rPr lang="en-US"/>
               <a:t>Fifth level</a:t>
             </a:r>
-            <a:endParaRPr lang="en-US"/>
           </a:p>
         </p:txBody>
       </p:sp>
@@ -2584,7 +2585,7 @@
           <a:p>
             <a:pPr lvl="0"/>
             <a:r>
-              <a:rPr lang="en-US" smtClean="0"/>
+              <a:rPr lang="en-US"/>
               <a:t>Click to edit Master text styles</a:t>
             </a:r>
           </a:p>
@@ -2607,7 +2608,7 @@
           <a:p>
             <a:fld id="{78C97017-6FC3-485B-9764-EAC9E56C1D49}" type="datetimeFigureOut">
               <a:rPr lang="en-US" smtClean="0"/>
-              <a:t>10/16/2016</a:t>
+              <a:t>4/5/2018</a:t>
             </a:fld>
             <a:endParaRPr lang="en-US"/>
           </a:p>
@@ -2710,10 +2711,9 @@
           </a:lstStyle>
           <a:p>
             <a:r>
-              <a:rPr lang="en-US" smtClean="0"/>
+              <a:rPr lang="en-US"/>
               <a:t>Click to edit Master title style</a:t>
             </a:r>
-            <a:endParaRPr lang="en-US"/>
           </a:p>
         </p:txBody>
       </p:sp>
@@ -2837,7 +2837,7 @@
           <a:p>
             <a:pPr lvl="0"/>
             <a:r>
-              <a:rPr lang="en-US" smtClean="0"/>
+              <a:rPr lang="en-US"/>
               <a:t>Click to edit Master text styles</a:t>
             </a:r>
           </a:p>
@@ -2860,7 +2860,7 @@
           <a:p>
             <a:fld id="{78C97017-6FC3-485B-9764-EAC9E56C1D49}" type="datetimeFigureOut">
               <a:rPr lang="en-US" smtClean="0"/>
-              <a:t>10/16/2016</a:t>
+              <a:t>4/5/2018</a:t>
             </a:fld>
             <a:endParaRPr lang="en-US"/>
           </a:p>
@@ -2969,10 +2969,9 @@
           <a:lstStyle/>
           <a:p>
             <a:r>
-              <a:rPr lang="en-US" smtClean="0"/>
+              <a:rPr lang="en-US"/>
               <a:t>Click to edit Master title style</a:t>
             </a:r>
-            <a:endParaRPr lang="en-US"/>
           </a:p>
         </p:txBody>
       </p:sp>
@@ -3003,38 +3002,37 @@
           <a:p>
             <a:pPr lvl="0"/>
             <a:r>
-              <a:rPr lang="en-US" smtClean="0"/>
+              <a:rPr lang="en-US"/>
               <a:t>Click to edit Master text styles</a:t>
             </a:r>
           </a:p>
           <a:p>
             <a:pPr lvl="1"/>
             <a:r>
-              <a:rPr lang="en-US" smtClean="0"/>
+              <a:rPr lang="en-US"/>
               <a:t>Second level</a:t>
             </a:r>
           </a:p>
           <a:p>
             <a:pPr lvl="2"/>
             <a:r>
-              <a:rPr lang="en-US" smtClean="0"/>
+              <a:rPr lang="en-US"/>
               <a:t>Third level</a:t>
             </a:r>
           </a:p>
           <a:p>
             <a:pPr lvl="3"/>
             <a:r>
-              <a:rPr lang="en-US" smtClean="0"/>
+              <a:rPr lang="en-US"/>
               <a:t>Fourth level</a:t>
             </a:r>
           </a:p>
           <a:p>
             <a:pPr lvl="4"/>
             <a:r>
-              <a:rPr lang="en-US" smtClean="0"/>
+              <a:rPr lang="en-US"/>
               <a:t>Fifth level</a:t>
             </a:r>
-            <a:endParaRPr lang="en-US"/>
           </a:p>
         </p:txBody>
       </p:sp>
@@ -3073,7 +3071,7 @@
           <a:p>
             <a:fld id="{78C97017-6FC3-485B-9764-EAC9E56C1D49}" type="datetimeFigureOut">
               <a:rPr lang="en-US" smtClean="0"/>
-              <a:t>10/16/2016</a:t>
+              <a:t>4/5/2018</a:t>
             </a:fld>
             <a:endParaRPr lang="en-US"/>
           </a:p>
@@ -3492,7 +3490,7 @@
           <a:p>
             <a:pPr algn="ctr"/>
             <a:r>
-              <a:rPr lang="en-US" sz="1600" dirty="0" smtClean="0">
+              <a:rPr lang="en-US" sz="1600" dirty="0">
                 <a:solidFill>
                   <a:schemeClr val="bg1"/>
                 </a:solidFill>
@@ -3856,7 +3854,7 @@
           <a:p>
             <a:pPr algn="ctr"/>
             <a:r>
-              <a:rPr lang="en-US" sz="1600" dirty="0" smtClean="0">
+              <a:rPr lang="en-US" sz="1600" dirty="0">
                 <a:solidFill>
                   <a:schemeClr val="bg1"/>
                 </a:solidFill>
@@ -4003,7 +4001,7 @@
           <a:p>
             <a:pPr algn="ctr"/>
             <a:r>
-              <a:rPr lang="en-US" sz="1600" dirty="0" smtClean="0">
+              <a:rPr lang="en-US" sz="1600" dirty="0">
                 <a:solidFill>
                   <a:schemeClr val="bg1"/>
                 </a:solidFill>
@@ -4151,7 +4149,7 @@
         <p:spPr>
           <a:xfrm>
             <a:off x="466818" y="1345880"/>
-            <a:ext cx="860170" cy="215444"/>
+            <a:ext cx="1107452" cy="215444"/>
           </a:xfrm>
           <a:prstGeom prst="rect">
             <a:avLst/>
@@ -4165,10 +4163,13 @@
           <a:lstStyle/>
           <a:p>
             <a:r>
-              <a:rPr lang="en-US" sz="1400" dirty="0" smtClean="0"/>
-              <a:t>delete 1</a:t>
-            </a:r>
-            <a:endParaRPr lang="en-US" sz="1400" dirty="0"/>
+              <a:rPr lang="en-US" sz="1400" dirty="0" err="1"/>
+              <a:t>deleteCase</a:t>
+            </a:r>
+            <a:r>
+              <a:rPr lang="en-US" sz="1400" dirty="0"/>
+              <a:t> 1</a:t>
+            </a:r>
           </a:p>
         </p:txBody>
       </p:sp>
@@ -4216,8 +4217,8 @@
         </p:nvSpPr>
         <p:spPr>
           <a:xfrm>
-            <a:off x="2166172" y="1453379"/>
-            <a:ext cx="1424846" cy="215444"/>
+            <a:off x="1823476" y="1446215"/>
+            <a:ext cx="1902509" cy="215444"/>
           </a:xfrm>
           <a:prstGeom prst="rect">
             <a:avLst/>
@@ -4231,18 +4232,29 @@
           <a:lstStyle/>
           <a:p>
             <a:r>
-              <a:rPr lang="en-US" sz="1400" dirty="0" smtClean="0">
+              <a:rPr lang="en-US" sz="1400" dirty="0">
                 <a:solidFill>
                   <a:srgbClr val="0070C0"/>
                 </a:solidFill>
               </a:rPr>
-              <a:t>execute(“delete 1”)</a:t>
-            </a:r>
-            <a:endParaRPr lang="en-US" sz="1400" dirty="0">
-              <a:solidFill>
-                <a:srgbClr val="0070C0"/>
-              </a:solidFill>
-            </a:endParaRPr>
+              <a:t>execute(“</a:t>
+            </a:r>
+            <a:r>
+              <a:rPr lang="en-US" sz="1400" dirty="0" err="1">
+                <a:solidFill>
+                  <a:srgbClr val="0070C0"/>
+                </a:solidFill>
+              </a:rPr>
+              <a:t>deleteCase</a:t>
+            </a:r>
+            <a:r>
+              <a:rPr lang="en-US" sz="1400" dirty="0">
+                <a:solidFill>
+                  <a:srgbClr val="0070C0"/>
+                </a:solidFill>
+              </a:rPr>
+              <a:t> 1”)</a:t>
+            </a:r>
           </a:p>
         </p:txBody>
       </p:sp>
@@ -4290,8 +4302,8 @@
         </p:nvSpPr>
         <p:spPr>
           <a:xfrm>
-            <a:off x="4299772" y="1542583"/>
-            <a:ext cx="1424846" cy="215444"/>
+            <a:off x="4157582" y="1538408"/>
+            <a:ext cx="1539152" cy="215444"/>
           </a:xfrm>
           <a:prstGeom prst="rect">
             <a:avLst/>
@@ -4305,26 +4317,21 @@
           <a:lstStyle/>
           <a:p>
             <a:r>
-              <a:rPr lang="en-US" sz="1400" dirty="0" err="1" smtClean="0">
+              <a:rPr lang="en-US" sz="1400" dirty="0" err="1">
                 <a:solidFill>
                   <a:srgbClr val="7030A0"/>
                 </a:solidFill>
               </a:rPr>
-              <a:t>deletePerson</a:t>
-            </a:r>
-            <a:r>
-              <a:rPr lang="en-US" sz="1400" dirty="0" smtClean="0">
+              <a:t>deleteCrimeCase</a:t>
+            </a:r>
+            <a:r>
+              <a:rPr lang="en-US" sz="1400" dirty="0">
                 <a:solidFill>
                   <a:srgbClr val="7030A0"/>
                 </a:solidFill>
               </a:rPr>
-              <a:t>(p)</a:t>
-            </a:r>
-            <a:endParaRPr lang="en-US" sz="1400" dirty="0">
-              <a:solidFill>
-                <a:srgbClr val="7030A0"/>
-              </a:solidFill>
-            </a:endParaRPr>
+              <a:t>(c)</a:t>
+            </a:r>
           </a:p>
         </p:txBody>
       </p:sp>
@@ -4336,8 +4343,8 @@
         </p:nvSpPr>
         <p:spPr>
           <a:xfrm>
-            <a:off x="6074030" y="1687656"/>
-            <a:ext cx="2438400" cy="215444"/>
+            <a:off x="5989623" y="1689532"/>
+            <a:ext cx="2542772" cy="215444"/>
           </a:xfrm>
           <a:prstGeom prst="rect">
             <a:avLst/>
@@ -4351,7 +4358,7 @@
           <a:lstStyle/>
           <a:p>
             <a:r>
-              <a:rPr lang="en-US" sz="1400" dirty="0" smtClean="0">
+              <a:rPr lang="en-US" sz="1400" dirty="0">
                 <a:solidFill>
                   <a:schemeClr val="accent5">
                     <a:lumMod val="75000"/>
@@ -4361,17 +4368,17 @@
               <a:t>post(</a:t>
             </a:r>
             <a:r>
-              <a:rPr lang="en-US" sz="1400" dirty="0" err="1" smtClean="0">
+              <a:rPr lang="en-US" sz="1400" dirty="0" err="1">
                 <a:solidFill>
                   <a:schemeClr val="accent5">
                     <a:lumMod val="75000"/>
                   </a:schemeClr>
                 </a:solidFill>
               </a:rPr>
-              <a:t>AddressBookChangedEvent</a:t>
-            </a:r>
-            <a:r>
-              <a:rPr lang="en-US" sz="1400" dirty="0" smtClean="0">
+              <a:t>InvestigapptorChangedEvent</a:t>
+            </a:r>
+            <a:r>
+              <a:rPr lang="en-US" sz="1400" dirty="0">
                 <a:solidFill>
                   <a:schemeClr val="accent5">
                     <a:lumMod val="75000"/>
@@ -4380,13 +4387,6 @@
               </a:rPr>
               <a:t>)</a:t>
             </a:r>
-            <a:endParaRPr lang="en-US" sz="1400" dirty="0">
-              <a:solidFill>
-                <a:schemeClr val="accent5">
-                  <a:lumMod val="75000"/>
-                </a:schemeClr>
-              </a:solidFill>
-            </a:endParaRPr>
           </a:p>
         </p:txBody>
       </p:sp>
@@ -4552,7 +4552,7 @@
           <a:p>
             <a:pPr algn="ctr"/>
             <a:r>
-              <a:rPr lang="en-US" sz="1600" dirty="0" smtClean="0">
+              <a:rPr lang="en-US" sz="1600" dirty="0">
                 <a:solidFill>
                   <a:schemeClr val="bg1"/>
                 </a:solidFill>
@@ -4560,7 +4560,7 @@
               <a:t>:</a:t>
             </a:r>
             <a:r>
-              <a:rPr lang="en-US" sz="1600" dirty="0" err="1" smtClean="0">
+              <a:rPr lang="en-US" sz="1600" dirty="0" err="1">
                 <a:solidFill>
                   <a:schemeClr val="bg1"/>
                 </a:solidFill>
@@ -4793,7 +4793,7 @@
           <a:p>
             <a:pPr algn="ctr"/>
             <a:r>
-              <a:rPr lang="en-US" sz="1600" dirty="0" smtClean="0">
+              <a:rPr lang="en-US" sz="1600" dirty="0">
                 <a:solidFill>
                   <a:schemeClr val="bg1"/>
                 </a:solidFill>
@@ -4925,7 +4925,7 @@
           <a:lstStyle/>
           <a:p>
             <a:r>
-              <a:rPr lang="en-US" sz="1400" dirty="0" smtClean="0">
+              <a:rPr lang="en-US" sz="1400" dirty="0">
                 <a:solidFill>
                   <a:schemeClr val="accent5">
                     <a:lumMod val="75000"/>
@@ -4935,17 +4935,17 @@
               <a:t>post(</a:t>
             </a:r>
             <a:r>
-              <a:rPr lang="en-US" sz="1400" dirty="0" err="1" smtClean="0">
+              <a:rPr lang="en-US" sz="1400" dirty="0" err="1">
                 <a:solidFill>
                   <a:schemeClr val="accent5">
                     <a:lumMod val="75000"/>
                   </a:schemeClr>
                 </a:solidFill>
               </a:rPr>
-              <a:t>AddressBookChangedEvent</a:t>
-            </a:r>
-            <a:r>
-              <a:rPr lang="en-US" sz="1400" dirty="0" smtClean="0">
+              <a:t>InvestigapptorChangedEvent</a:t>
+            </a:r>
+            <a:r>
+              <a:rPr lang="en-US" sz="1400" dirty="0">
                 <a:solidFill>
                   <a:schemeClr val="accent5">
                     <a:lumMod val="75000"/>
@@ -4954,13 +4954,6 @@
               </a:rPr>
               <a:t>)</a:t>
             </a:r>
-            <a:endParaRPr lang="en-US" sz="1400" dirty="0">
-              <a:solidFill>
-                <a:schemeClr val="accent5">
-                  <a:lumMod val="75000"/>
-                </a:schemeClr>
-              </a:solidFill>
-            </a:endParaRPr>
           </a:p>
         </p:txBody>
       </p:sp>
@@ -5052,7 +5045,7 @@
           <a:p>
             <a:pPr algn="ctr"/>
             <a:r>
-              <a:rPr lang="en-US" sz="1600" dirty="0" smtClean="0">
+              <a:rPr lang="en-US" sz="1600" dirty="0">
                 <a:solidFill>
                   <a:schemeClr val="bg1"/>
                 </a:solidFill>
@@ -5060,7 +5053,7 @@
               <a:t>:</a:t>
             </a:r>
             <a:r>
-              <a:rPr lang="en-US" sz="1600" dirty="0" err="1" smtClean="0">
+              <a:rPr lang="en-US" sz="1600" dirty="0" err="1">
                 <a:solidFill>
                   <a:schemeClr val="bg1"/>
                 </a:solidFill>
@@ -5292,8 +5285,8 @@
         </p:nvSpPr>
         <p:spPr>
           <a:xfrm>
-            <a:off x="5036330" y="5065911"/>
-            <a:ext cx="2659870" cy="215444"/>
+            <a:off x="4997819" y="5065911"/>
+            <a:ext cx="2698381" cy="215444"/>
           </a:xfrm>
           <a:prstGeom prst="rect">
             <a:avLst/>
@@ -5307,17 +5300,17 @@
           <a:lstStyle/>
           <a:p>
             <a:r>
-              <a:rPr lang="en-US" sz="1400" dirty="0" err="1" smtClean="0">
+              <a:rPr lang="en-US" sz="1400" dirty="0" err="1">
                 <a:solidFill>
                   <a:schemeClr val="accent6">
                     <a:lumMod val="75000"/>
                   </a:schemeClr>
                 </a:solidFill>
               </a:rPr>
-              <a:t>handleAddresssBookChangedEvent</a:t>
-            </a:r>
-            <a:r>
-              <a:rPr lang="en-US" sz="1400" dirty="0" smtClean="0">
+              <a:t>handleInvestigapptorChangedEvent</a:t>
+            </a:r>
+            <a:r>
+              <a:rPr lang="en-US" sz="1400" dirty="0">
                 <a:solidFill>
                   <a:schemeClr val="accent6">
                     <a:lumMod val="75000"/>
@@ -5326,13 +5319,6 @@
               </a:rPr>
               <a:t>()</a:t>
             </a:r>
-            <a:endParaRPr lang="en-US" sz="1400" dirty="0">
-              <a:solidFill>
-                <a:schemeClr val="accent6">
-                  <a:lumMod val="75000"/>
-                </a:schemeClr>
-              </a:solidFill>
-            </a:endParaRPr>
           </a:p>
         </p:txBody>
       </p:sp>
@@ -5417,7 +5403,7 @@
           <a:p>
             <a:pPr algn="ctr"/>
             <a:r>
-              <a:rPr lang="en-US" sz="1600" dirty="0" smtClean="0">
+              <a:rPr lang="en-US" sz="1600" dirty="0">
                 <a:solidFill>
                   <a:schemeClr val="bg1"/>
                 </a:solidFill>
@@ -5605,8 +5591,8 @@
         </p:nvSpPr>
         <p:spPr>
           <a:xfrm>
-            <a:off x="1416276" y="5395369"/>
-            <a:ext cx="2659870" cy="215444"/>
+            <a:off x="1416275" y="5395369"/>
+            <a:ext cx="2915959" cy="215444"/>
           </a:xfrm>
           <a:prstGeom prst="rect">
             <a:avLst/>
@@ -5620,26 +5606,21 @@
           <a:lstStyle/>
           <a:p>
             <a:r>
-              <a:rPr lang="en-US" sz="1400" dirty="0" err="1" smtClean="0">
+              <a:rPr lang="en-US" sz="1400" dirty="0" err="1">
                 <a:solidFill>
                   <a:srgbClr val="00B050"/>
                 </a:solidFill>
               </a:rPr>
-              <a:t>handleAddresssBookChangedEvent</a:t>
-            </a:r>
-            <a:r>
-              <a:rPr lang="en-US" sz="1400" dirty="0" smtClean="0">
+              <a:t>handleInvestigapptorChangedEvent</a:t>
+            </a:r>
+            <a:r>
+              <a:rPr lang="en-US" sz="1400" dirty="0">
                 <a:solidFill>
                   <a:srgbClr val="00B050"/>
                 </a:solidFill>
               </a:rPr>
               <a:t>()</a:t>
             </a:r>
-            <a:endParaRPr lang="en-US" sz="1400" dirty="0">
-              <a:solidFill>
-                <a:srgbClr val="00B050"/>
-              </a:solidFill>
-            </a:endParaRPr>
           </a:p>
         </p:txBody>
       </p:sp>
@@ -5826,18 +5807,13 @@
           <a:p>
             <a:pPr algn="r"/>
             <a:r>
-              <a:rPr lang="en-US" sz="1400" dirty="0" smtClean="0">
+              <a:rPr lang="en-US" sz="1400" dirty="0">
                 <a:solidFill>
                   <a:srgbClr val="00B050"/>
                 </a:solidFill>
               </a:rPr>
               <a:t>Update status bar</a:t>
             </a:r>
-            <a:endParaRPr lang="en-US" sz="1400" dirty="0">
-              <a:solidFill>
-                <a:srgbClr val="00B050"/>
-              </a:solidFill>
-            </a:endParaRPr>
           </a:p>
         </p:txBody>
       </p:sp>
@@ -6027,7 +6003,7 @@
           <a:lstStyle/>
           <a:p>
             <a:r>
-              <a:rPr lang="en-US" sz="1400" dirty="0" smtClean="0">
+              <a:rPr lang="en-US" sz="1400" dirty="0">
                 <a:solidFill>
                   <a:schemeClr val="accent6">
                     <a:lumMod val="75000"/>
@@ -6037,7 +6013,7 @@
               <a:t>Save </a:t>
             </a:r>
             <a:br>
-              <a:rPr lang="en-US" sz="1400" dirty="0" smtClean="0">
+              <a:rPr lang="en-US" sz="1400" dirty="0">
                 <a:solidFill>
                   <a:schemeClr val="accent6">
                     <a:lumMod val="75000"/>
@@ -6046,7 +6022,7 @@
               </a:rPr>
             </a:br>
             <a:r>
-              <a:rPr lang="en-US" sz="1400" dirty="0" smtClean="0">
+              <a:rPr lang="en-US" sz="1400" dirty="0">
                 <a:solidFill>
                   <a:schemeClr val="accent6">
                     <a:lumMod val="75000"/>
@@ -6055,13 +6031,6 @@
               </a:rPr>
               <a:t>to file</a:t>
             </a:r>
-            <a:endParaRPr lang="en-US" sz="1400" dirty="0">
-              <a:solidFill>
-                <a:schemeClr val="accent6">
-                  <a:lumMod val="75000"/>
-                </a:schemeClr>
-              </a:solidFill>
-            </a:endParaRPr>
           </a:p>
         </p:txBody>
       </p:sp>
